--- a/Report/Final_presentation.pptx
+++ b/Report/Final_presentation.pptx
@@ -108,6 +108,11 @@
       </a:defRPr>
     </a:lvl9pPr>
   </p:defaultTextStyle>
+  <p:extLst>
+    <p:ext uri="{EFAFB233-063F-42B5-8137-9DF3F51BA10A}">
+      <p15:sldGuideLst xmlns:p15="http://schemas.microsoft.com/office/powerpoint/2012/main"/>
+    </p:ext>
+  </p:extLst>
 </p:presentation>
 </file>
 
@@ -6141,7 +6146,12 @@
             <p:ph type="title"/>
           </p:nvPr>
         </p:nvSpPr>
-        <p:spPr/>
+        <p:spPr>
+          <a:xfrm>
+            <a:off x="913795" y="1877352"/>
+            <a:ext cx="10353762" cy="1060056"/>
+          </a:xfrm>
+        </p:spPr>
         <p:txBody>
           <a:bodyPr/>
           <a:lstStyle/>
@@ -6170,7 +6180,12 @@
             <p:ph idx="1"/>
           </p:nvPr>
         </p:nvSpPr>
-        <p:spPr/>
+        <p:spPr>
+          <a:xfrm>
+            <a:off x="913795" y="3429000"/>
+            <a:ext cx="10353762" cy="2362200"/>
+          </a:xfrm>
+        </p:spPr>
         <p:txBody>
           <a:bodyPr/>
           <a:lstStyle/>
@@ -6183,7 +6198,19 @@
               <a:rPr lang="en-US" dirty="0">
                 <a:hlinkClick r:id="rId2"/>
               </a:rPr>
-              <a:t>up1083738@ac.upatras.gr</a:t>
+              <a:t>up108</a:t>
+            </a:r>
+            <a:r>
+              <a:rPr lang="el-GR" dirty="0">
+                <a:hlinkClick r:id="rId2"/>
+              </a:rPr>
+              <a:t>9133</a:t>
+            </a:r>
+            <a:r>
+              <a:rPr lang="en-US" dirty="0">
+                <a:hlinkClick r:id="rId2"/>
+              </a:rPr>
+              <a:t>@ac.upatras.gr</a:t>
             </a:r>
             <a:r>
               <a:rPr lang="en-US" dirty="0"/>
@@ -6197,7 +6224,7 @@
             </a:r>
             <a:r>
               <a:rPr lang="en-US" dirty="0">
-                <a:hlinkClick r:id="rId2"/>
+                <a:hlinkClick r:id="rId3"/>
               </a:rPr>
               <a:t>up1083738@ac.upatras.gr</a:t>
             </a:r>
@@ -6288,7 +6315,78 @@
           <a:bodyPr/>
           <a:lstStyle/>
           <a:p>
-            <a:endParaRPr lang="en-US"/>
+            <a:r>
+              <a:rPr lang="el-GR" dirty="0"/>
+              <a:t>Η ιστοσελίδα του </a:t>
+            </a:r>
+            <a:r>
+              <a:rPr lang="en-US" dirty="0"/>
+              <a:t>GymLAB </a:t>
+            </a:r>
+            <a:r>
+              <a:rPr lang="el-GR" dirty="0"/>
+              <a:t>καλύπτει όλες τι βασικές ανάγκες μιας αλυσίδας γυμναστηρίων. Ο επισκέπτης αυτής μπορεί να μάθει γενικές πληροφορίες (υπηρεσίες, τιμές, εβδομαδιαία προγράμματα, τοποθεσίες των γυμναστηρίων κ.α.). </a:t>
+            </a:r>
+          </a:p>
+          <a:p>
+            <a:r>
+              <a:rPr lang="el-GR" dirty="0"/>
+              <a:t>Ο χρήστης (</a:t>
+            </a:r>
+            <a:r>
+              <a:rPr lang="en-US" dirty="0"/>
+              <a:t>logged-in)</a:t>
+            </a:r>
+            <a:r>
+              <a:rPr lang="el-GR" dirty="0"/>
+              <a:t>,</a:t>
+            </a:r>
+            <a:r>
+              <a:rPr lang="en-US" dirty="0"/>
+              <a:t> </a:t>
+            </a:r>
+            <a:r>
+              <a:rPr lang="el-GR" dirty="0"/>
+              <a:t>μπορεί να επιλέξει ένα από τα γυμναστήρια, να διαλέξει κάποιο πρόγραμμα (</a:t>
+            </a:r>
+            <a:r>
+              <a:rPr lang="en-US" dirty="0"/>
+              <a:t>Weightlifting, CrossFit, Yoga </a:t>
+            </a:r>
+            <a:r>
+              <a:rPr lang="el-GR" dirty="0"/>
+              <a:t>και </a:t>
+            </a:r>
+            <a:r>
+              <a:rPr lang="en-US" dirty="0"/>
+              <a:t>Pilates) </a:t>
+            </a:r>
+            <a:r>
+              <a:rPr lang="el-GR" dirty="0"/>
+              <a:t>και να αγοράσει και την αντίστοιχη συνδρομή (μηνιαία, εξαμηνιαία ή ετήσια). Ο χρήστης μπορεί να έχει εγγραφές σε διάφορα προγράμματα.</a:t>
+            </a:r>
+          </a:p>
+          <a:p>
+            <a:r>
+              <a:rPr lang="el-GR" dirty="0"/>
+              <a:t>Ο χρήστης, όταν έχει επιλέξει κάποιο ομαδικό πρόγραμμα (</a:t>
+            </a:r>
+            <a:r>
+              <a:rPr lang="en-US" dirty="0"/>
+              <a:t>Yoga, Pilates, CrossFit)</a:t>
+            </a:r>
+            <a:r>
+              <a:rPr lang="el-GR" dirty="0"/>
+              <a:t>,</a:t>
+            </a:r>
+            <a:r>
+              <a:rPr lang="en-US" dirty="0"/>
+              <a:t> </a:t>
+            </a:r>
+            <a:r>
+              <a:rPr lang="el-GR" dirty="0"/>
+              <a:t>μπορεί να φτιάξει το δικό του εβδομαδιαίο πρόγραμμα, σύμφωνα με την διαθεσιμότητα του γυμναστηρίου του.</a:t>
+            </a:r>
           </a:p>
         </p:txBody>
       </p:sp>

--- a/Report/Final_presentation.pptx
+++ b/Report/Final_presentation.pptx
@@ -6422,10 +6422,10 @@
       </p:grpSpPr>
       <p:pic>
         <p:nvPicPr>
-          <p:cNvPr id="9" name="Content Placeholder 8">
+          <p:cNvPr id="5" name="Content Placeholder 4">
             <a:extLst>
               <a:ext uri="{FF2B5EF4-FFF2-40B4-BE49-F238E27FC236}">
-                <a16:creationId xmlns:a16="http://schemas.microsoft.com/office/drawing/2014/main" id="{055667F2-73F6-130A-8152-E05A9583A44D}"/>
+                <a16:creationId xmlns:a16="http://schemas.microsoft.com/office/drawing/2014/main" id="{70B0B348-8F6D-FED7-BADA-FCA8ABF9AA29}"/>
               </a:ext>
             </a:extLst>
           </p:cNvPr>
@@ -6444,8 +6444,8 @@
         </p:blipFill>
         <p:spPr>
           <a:xfrm>
-            <a:off x="0" y="755869"/>
-            <a:ext cx="12192000" cy="5346261"/>
+            <a:off x="0" y="732757"/>
+            <a:ext cx="12192000" cy="5392485"/>
           </a:xfrm>
         </p:spPr>
       </p:pic>
@@ -6481,10 +6481,10 @@
       </p:grpSpPr>
       <p:pic>
         <p:nvPicPr>
-          <p:cNvPr id="9" name="Content Placeholder 8">
+          <p:cNvPr id="5" name="Content Placeholder 4">
             <a:extLst>
               <a:ext uri="{FF2B5EF4-FFF2-40B4-BE49-F238E27FC236}">
-                <a16:creationId xmlns:a16="http://schemas.microsoft.com/office/drawing/2014/main" id="{3EB2EA46-2141-2003-5506-B1CE9015DD50}"/>
+                <a16:creationId xmlns:a16="http://schemas.microsoft.com/office/drawing/2014/main" id="{D666D28B-3615-E2A9-7CC8-F881E6207C48}"/>
               </a:ext>
             </a:extLst>
           </p:cNvPr>
@@ -6503,8 +6503,8 @@
         </p:blipFill>
         <p:spPr>
           <a:xfrm>
-            <a:off x="0" y="666012"/>
-            <a:ext cx="12192000" cy="5525975"/>
+            <a:off x="0" y="685438"/>
+            <a:ext cx="12192000" cy="5487124"/>
           </a:xfrm>
         </p:spPr>
       </p:pic>
